--- a/writeup/ppt_poster.pptx
+++ b/writeup/ppt_poster.pptx
@@ -3104,7 +3104,7 @@
         <p:spPr>
           <a:xfrm>
             <a:off x="612131" y="832723"/>
-            <a:ext cx="19298144" cy="3416320"/>
+            <a:ext cx="19298144" cy="3231654"/>
           </a:xfrm>
           <a:prstGeom prst="rect">
             <a:avLst/>
@@ -3147,41 +3147,41 @@
           </a:p>
           <a:p>
             <a:r>
-              <a:rPr lang="en-GB" sz="4400" b="1" dirty="0" smtClean="0">
+              <a:rPr lang="en-GB" sz="4000" b="1" dirty="0" smtClean="0">
                 <a:latin typeface="Times New Roman" panose="02020603050405020304" pitchFamily="18" charset="0"/>
                 <a:cs typeface="Times New Roman" panose="02020603050405020304" pitchFamily="18" charset="0"/>
               </a:rPr>
               <a:t>D </a:t>
             </a:r>
             <a:r>
-              <a:rPr lang="en-GB" sz="4400" b="1" dirty="0" err="1" smtClean="0">
+              <a:rPr lang="en-GB" sz="4000" b="1" dirty="0" err="1" smtClean="0">
                 <a:latin typeface="Times New Roman" panose="02020603050405020304" pitchFamily="18" charset="0"/>
                 <a:cs typeface="Times New Roman" panose="02020603050405020304" pitchFamily="18" charset="0"/>
               </a:rPr>
               <a:t>Deriso</a:t>
             </a:r>
             <a:r>
-              <a:rPr lang="en-GB" sz="4400" b="1" dirty="0" smtClean="0">
+              <a:rPr lang="en-GB" sz="4000" b="1" dirty="0" smtClean="0">
                 <a:latin typeface="Times New Roman" panose="02020603050405020304" pitchFamily="18" charset="0"/>
                 <a:cs typeface="Times New Roman" panose="02020603050405020304" pitchFamily="18" charset="0"/>
               </a:rPr>
               <a:t>, A </a:t>
             </a:r>
             <a:r>
-              <a:rPr lang="en-GB" sz="4400" b="1" dirty="0" err="1" smtClean="0">
+              <a:rPr lang="en-GB" sz="4000" b="1" dirty="0" err="1" smtClean="0">
                 <a:latin typeface="Times New Roman" panose="02020603050405020304" pitchFamily="18" charset="0"/>
                 <a:cs typeface="Times New Roman" panose="02020603050405020304" pitchFamily="18" charset="0"/>
               </a:rPr>
               <a:t>Fallou</a:t>
             </a:r>
             <a:r>
-              <a:rPr lang="en-GB" sz="4400" b="1" dirty="0" smtClean="0">
+              <a:rPr lang="en-GB" sz="4000" b="1" dirty="0" smtClean="0">
                 <a:latin typeface="Times New Roman" panose="02020603050405020304" pitchFamily="18" charset="0"/>
                 <a:cs typeface="Times New Roman" panose="02020603050405020304" pitchFamily="18" charset="0"/>
               </a:rPr>
               <a:t>, N Banerjee</a:t>
             </a:r>
-            <a:endParaRPr lang="en-GB" sz="4400" b="1" dirty="0">
+            <a:endParaRPr lang="en-GB" sz="4000" b="1" dirty="0">
               <a:latin typeface="Times New Roman" panose="02020603050405020304" pitchFamily="18" charset="0"/>
               <a:cs typeface="Times New Roman" panose="02020603050405020304" pitchFamily="18" charset="0"/>
             </a:endParaRPr>
@@ -6109,7 +6109,7 @@
                         <a:defRPr/>
                       </a:pPr>
                       <a:r>
-                        <a:rPr lang="en-GB" sz="1600" b="0" i="0" u="none" strike="noStrike" noProof="0" smtClean="0">
+                        <a:rPr lang="en-GB" sz="1600" b="0" i="0" u="none" strike="noStrike" noProof="0" dirty="0" smtClean="0">
                           <a:solidFill>
                             <a:schemeClr val="accent4">
                               <a:lumMod val="50000"/>
